--- a/4_(DEEP_LEARNING)_Apples_of_different_varieties_recognition/Aron/(Presentation draft)_Apples_of_different_varieties_recognition.pptx
+++ b/4_(DEEP_LEARNING)_Apples_of_different_varieties_recognition/Aron/(Presentation draft)_Apples_of_different_varieties_recognition.pptx
@@ -5776,6 +5776,294 @@
           </a:p>
         </p:txBody>
       </p:sp>
+      <p:sp>
+        <p:nvSpPr>
+          <p:cNvPr id="7" name="TextBox 6">
+            <a:extLst>
+              <a:ext uri="{FF2B5EF4-FFF2-40B4-BE49-F238E27FC236}">
+                <a16:creationId xmlns:a16="http://schemas.microsoft.com/office/drawing/2014/main" id="{8A145068-2674-3CBF-14F2-C76DD6804D0F}"/>
+              </a:ext>
+            </a:extLst>
+          </p:cNvPr>
+          <p:cNvSpPr txBox="1"/>
+          <p:nvPr/>
+        </p:nvSpPr>
+        <p:spPr>
+          <a:xfrm>
+            <a:off x="7331798" y="1581393"/>
+            <a:ext cx="4137434" cy="707886"/>
+          </a:xfrm>
+          <a:prstGeom prst="rect">
+            <a:avLst/>
+          </a:prstGeom>
+          <a:noFill/>
+        </p:spPr>
+        <p:txBody>
+          <a:bodyPr wrap="square" rtlCol="0">
+            <a:spAutoFit/>
+          </a:bodyPr>
+          <a:lstStyle/>
+          <a:p>
+            <a:r>
+              <a:rPr lang="pl-PL" sz="4000" dirty="0">
+                <a:solidFill>
+                  <a:srgbClr val="FF0000"/>
+                </a:solidFill>
+              </a:rPr>
+              <a:t>Filip?</a:t>
+            </a:r>
+            <a:endParaRPr lang="en-US" sz="4000" dirty="0">
+              <a:solidFill>
+                <a:srgbClr val="FF0000"/>
+              </a:solidFill>
+            </a:endParaRPr>
+          </a:p>
+        </p:txBody>
+      </p:sp>
+      <p:sp>
+        <p:nvSpPr>
+          <p:cNvPr id="8" name="TextBox 7">
+            <a:extLst>
+              <a:ext uri="{FF2B5EF4-FFF2-40B4-BE49-F238E27FC236}">
+                <a16:creationId xmlns:a16="http://schemas.microsoft.com/office/drawing/2014/main" id="{BD86E2A3-8838-DB4B-B5D7-5199F8F699E7}"/>
+              </a:ext>
+            </a:extLst>
+          </p:cNvPr>
+          <p:cNvSpPr txBox="1"/>
+          <p:nvPr/>
+        </p:nvSpPr>
+        <p:spPr>
+          <a:xfrm>
+            <a:off x="7331798" y="3241749"/>
+            <a:ext cx="4137434" cy="707886"/>
+          </a:xfrm>
+          <a:prstGeom prst="rect">
+            <a:avLst/>
+          </a:prstGeom>
+          <a:noFill/>
+        </p:spPr>
+        <p:txBody>
+          <a:bodyPr wrap="square" rtlCol="0">
+            <a:spAutoFit/>
+          </a:bodyPr>
+          <a:lstStyle/>
+          <a:p>
+            <a:r>
+              <a:rPr lang="pl-PL" sz="4000" dirty="0">
+                <a:solidFill>
+                  <a:srgbClr val="0070C0"/>
+                </a:solidFill>
+              </a:rPr>
+              <a:t>Natalia?</a:t>
+            </a:r>
+            <a:endParaRPr lang="en-US" sz="4000" dirty="0">
+              <a:solidFill>
+                <a:srgbClr val="0070C0"/>
+              </a:solidFill>
+            </a:endParaRPr>
+          </a:p>
+        </p:txBody>
+      </p:sp>
+      <p:sp>
+        <p:nvSpPr>
+          <p:cNvPr id="9" name="TextBox 8">
+            <a:extLst>
+              <a:ext uri="{FF2B5EF4-FFF2-40B4-BE49-F238E27FC236}">
+                <a16:creationId xmlns:a16="http://schemas.microsoft.com/office/drawing/2014/main" id="{F5A9D0B2-46DB-D5D4-21B6-24BBB5983E00}"/>
+              </a:ext>
+            </a:extLst>
+          </p:cNvPr>
+          <p:cNvSpPr txBox="1"/>
+          <p:nvPr/>
+        </p:nvSpPr>
+        <p:spPr>
+          <a:xfrm>
+            <a:off x="7331798" y="4801714"/>
+            <a:ext cx="4137434" cy="707886"/>
+          </a:xfrm>
+          <a:prstGeom prst="rect">
+            <a:avLst/>
+          </a:prstGeom>
+          <a:noFill/>
+        </p:spPr>
+        <p:txBody>
+          <a:bodyPr wrap="square" rtlCol="0">
+            <a:spAutoFit/>
+          </a:bodyPr>
+          <a:lstStyle/>
+          <a:p>
+            <a:r>
+              <a:rPr lang="pl-PL" sz="4000" dirty="0">
+                <a:solidFill>
+                  <a:schemeClr val="accent6"/>
+                </a:solidFill>
+              </a:rPr>
+              <a:t>Aron?</a:t>
+            </a:r>
+            <a:endParaRPr lang="en-US" sz="4000" dirty="0">
+              <a:solidFill>
+                <a:schemeClr val="accent6"/>
+              </a:solidFill>
+            </a:endParaRPr>
+          </a:p>
+        </p:txBody>
+      </p:sp>
+      <p:sp>
+        <p:nvSpPr>
+          <p:cNvPr id="10" name="Rectangle 9">
+            <a:extLst>
+              <a:ext uri="{FF2B5EF4-FFF2-40B4-BE49-F238E27FC236}">
+                <a16:creationId xmlns:a16="http://schemas.microsoft.com/office/drawing/2014/main" id="{1D29BFBB-96B7-B06F-4DEB-734CA03F55A5}"/>
+              </a:ext>
+            </a:extLst>
+          </p:cNvPr>
+          <p:cNvSpPr/>
+          <p:nvPr/>
+        </p:nvSpPr>
+        <p:spPr>
+          <a:xfrm>
+            <a:off x="954134" y="1117487"/>
+            <a:ext cx="8787395" cy="1885832"/>
+          </a:xfrm>
+          <a:prstGeom prst="rect">
+            <a:avLst/>
+          </a:prstGeom>
+          <a:noFill/>
+          <a:ln w="28575">
+            <a:solidFill>
+              <a:srgbClr val="FF0000"/>
+            </a:solidFill>
+          </a:ln>
+        </p:spPr>
+        <p:style>
+          <a:lnRef idx="2">
+            <a:schemeClr val="accent1">
+              <a:shade val="50000"/>
+            </a:schemeClr>
+          </a:lnRef>
+          <a:fillRef idx="1">
+            <a:schemeClr val="accent1"/>
+          </a:fillRef>
+          <a:effectRef idx="0">
+            <a:schemeClr val="accent1"/>
+          </a:effectRef>
+          <a:fontRef idx="minor">
+            <a:schemeClr val="lt1"/>
+          </a:fontRef>
+        </p:style>
+        <p:txBody>
+          <a:bodyPr rtlCol="0" anchor="ctr"/>
+          <a:lstStyle/>
+          <a:p>
+            <a:pPr algn="ctr"/>
+            <a:endParaRPr lang="en-US"/>
+          </a:p>
+        </p:txBody>
+      </p:sp>
+      <p:sp>
+        <p:nvSpPr>
+          <p:cNvPr id="11" name="Rectangle 10">
+            <a:extLst>
+              <a:ext uri="{FF2B5EF4-FFF2-40B4-BE49-F238E27FC236}">
+                <a16:creationId xmlns:a16="http://schemas.microsoft.com/office/drawing/2014/main" id="{09BF6674-3C4B-53D2-7B7C-5E59F16AE5E3}"/>
+              </a:ext>
+            </a:extLst>
+          </p:cNvPr>
+          <p:cNvSpPr/>
+          <p:nvPr/>
+        </p:nvSpPr>
+        <p:spPr>
+          <a:xfrm>
+            <a:off x="954134" y="4437230"/>
+            <a:ext cx="8787395" cy="1885832"/>
+          </a:xfrm>
+          <a:prstGeom prst="rect">
+            <a:avLst/>
+          </a:prstGeom>
+          <a:noFill/>
+          <a:ln w="28575">
+            <a:solidFill>
+              <a:schemeClr val="accent6"/>
+            </a:solidFill>
+          </a:ln>
+        </p:spPr>
+        <p:style>
+          <a:lnRef idx="2">
+            <a:schemeClr val="accent1">
+              <a:shade val="50000"/>
+            </a:schemeClr>
+          </a:lnRef>
+          <a:fillRef idx="1">
+            <a:schemeClr val="accent1"/>
+          </a:fillRef>
+          <a:effectRef idx="0">
+            <a:schemeClr val="accent1"/>
+          </a:effectRef>
+          <a:fontRef idx="minor">
+            <a:schemeClr val="lt1"/>
+          </a:fontRef>
+        </p:style>
+        <p:txBody>
+          <a:bodyPr rtlCol="0" anchor="ctr"/>
+          <a:lstStyle/>
+          <a:p>
+            <a:pPr algn="ctr"/>
+            <a:endParaRPr lang="en-US"/>
+          </a:p>
+        </p:txBody>
+      </p:sp>
+      <p:sp>
+        <p:nvSpPr>
+          <p:cNvPr id="12" name="Rectangle 11">
+            <a:extLst>
+              <a:ext uri="{FF2B5EF4-FFF2-40B4-BE49-F238E27FC236}">
+                <a16:creationId xmlns:a16="http://schemas.microsoft.com/office/drawing/2014/main" id="{FC260BA4-2EDF-E682-A031-C8EA956B2A9B}"/>
+              </a:ext>
+            </a:extLst>
+          </p:cNvPr>
+          <p:cNvSpPr/>
+          <p:nvPr/>
+        </p:nvSpPr>
+        <p:spPr>
+          <a:xfrm>
+            <a:off x="954134" y="3176837"/>
+            <a:ext cx="8787395" cy="969545"/>
+          </a:xfrm>
+          <a:prstGeom prst="rect">
+            <a:avLst/>
+          </a:prstGeom>
+          <a:noFill/>
+          <a:ln w="28575">
+            <a:solidFill>
+              <a:srgbClr val="0070C0"/>
+            </a:solidFill>
+          </a:ln>
+        </p:spPr>
+        <p:style>
+          <a:lnRef idx="2">
+            <a:schemeClr val="accent1">
+              <a:shade val="50000"/>
+            </a:schemeClr>
+          </a:lnRef>
+          <a:fillRef idx="1">
+            <a:schemeClr val="accent1"/>
+          </a:fillRef>
+          <a:effectRef idx="0">
+            <a:schemeClr val="accent1"/>
+          </a:effectRef>
+          <a:fontRef idx="minor">
+            <a:schemeClr val="lt1"/>
+          </a:fontRef>
+        </p:style>
+        <p:txBody>
+          <a:bodyPr rtlCol="0" anchor="ctr"/>
+          <a:lstStyle/>
+          <a:p>
+            <a:pPr algn="ctr"/>
+            <a:endParaRPr lang="en-US"/>
+          </a:p>
+        </p:txBody>
+      </p:sp>
     </p:spTree>
     <p:extLst>
       <p:ext uri="{BB962C8B-B14F-4D97-AF65-F5344CB8AC3E}">
@@ -6455,7 +6743,7 @@
         <p:spPr>
           <a:xfrm>
             <a:off x="857250" y="1152525"/>
-            <a:ext cx="5417461" cy="3416320"/>
+            <a:ext cx="5417461" cy="3970318"/>
           </a:xfrm>
           <a:prstGeom prst="rect">
             <a:avLst/>
@@ -6573,6 +6861,37 @@
             <a:r>
               <a:rPr lang="en-US" dirty="0" err="1"/>
               <a:t>wybrany</a:t>
+            </a:r>
+            <a:endParaRPr lang="pl-PL" dirty="0"/>
+          </a:p>
+          <a:p>
+            <a:pPr marL="285750" indent="-285750">
+              <a:buFont typeface="Arial" panose="020B0604020202020204" pitchFamily="34" charset="0"/>
+              <a:buChar char="•"/>
+            </a:pPr>
+            <a:r>
+              <a:rPr lang="pl-PL" dirty="0"/>
+              <a:t>Czas wykonania treningu w zależności od ilości </a:t>
+            </a:r>
+            <a:r>
+              <a:rPr lang="pl-PL" dirty="0" err="1"/>
+              <a:t>ranów</a:t>
+            </a:r>
+            <a:r>
+              <a:rPr lang="pl-PL" dirty="0"/>
+              <a:t>, </a:t>
+            </a:r>
+            <a:r>
+              <a:rPr lang="pl-PL" dirty="0" err="1"/>
+              <a:t>batcha</a:t>
+            </a:r>
+            <a:r>
+              <a:rPr lang="pl-PL" dirty="0"/>
+              <a:t> </a:t>
+            </a:r>
+            <a:r>
+              <a:rPr lang="pl-PL" dirty="0" err="1"/>
+              <a:t>itp</a:t>
             </a:r>
             <a:endParaRPr lang="en-US" dirty="0"/>
           </a:p>
